--- a/R/スライド/第31回.pptx
+++ b/R/スライド/第31回.pptx
@@ -11,8 +11,8 @@
     <p:sldId id="257" r:id="rId2"/>
     <p:sldId id="267" r:id="rId3"/>
     <p:sldId id="268" r:id="rId4"/>
-    <p:sldId id="269" r:id="rId5"/>
-    <p:sldId id="270" r:id="rId6"/>
+    <p:sldId id="270" r:id="rId5"/>
+    <p:sldId id="271" r:id="rId6"/>
   </p:sldIdLst>
   <p:sldSz cx="12192000" cy="6858000"/>
   <p:notesSz cx="6858000" cy="9144000"/>
@@ -339,7 +339,7 @@
           <a:p>
             <a:fld id="{5640AC0E-9DE8-3F40-A849-2DFF6DB1C1AF}" type="datetimeFigureOut">
               <a:rPr kumimoji="1" lang="ja-JP" altLang="en-US" smtClean="0"/>
-              <a:t>2023/9/13</a:t>
+              <a:t>2023/11/6</a:t>
             </a:fld>
             <a:endParaRPr kumimoji="1" lang="ja-JP" altLang="en-US"/>
           </a:p>
@@ -807,90 +807,6 @@
     </p:spTree>
     <p:extLst>
       <p:ext uri="{BB962C8B-B14F-4D97-AF65-F5344CB8AC3E}">
-        <p14:creationId xmlns:p14="http://schemas.microsoft.com/office/powerpoint/2010/main" val="2875184600"/>
-      </p:ext>
-    </p:extLst>
-  </p:cSld>
-  <p:clrMapOvr>
-    <a:masterClrMapping/>
-  </p:clrMapOvr>
-</p:notes>
-</file>
-
-<file path=ppt/notesSlides/notesSlide3.xml><?xml version="1.0" encoding="utf-8"?>
-<p:notes xmlns:a="http://schemas.openxmlformats.org/drawingml/2006/main" xmlns:r="http://schemas.openxmlformats.org/officeDocument/2006/relationships" xmlns:p="http://schemas.openxmlformats.org/presentationml/2006/main">
-  <p:cSld>
-    <p:spTree>
-      <p:nvGrpSpPr>
-        <p:cNvPr id="1" name=""/>
-        <p:cNvGrpSpPr/>
-        <p:nvPr/>
-      </p:nvGrpSpPr>
-      <p:grpSpPr>
-        <a:xfrm>
-          <a:off x="0" y="0"/>
-          <a:ext cx="0" cy="0"/>
-          <a:chOff x="0" y="0"/>
-          <a:chExt cx="0" cy="0"/>
-        </a:xfrm>
-      </p:grpSpPr>
-      <p:sp>
-        <p:nvSpPr>
-          <p:cNvPr id="2" name="スライド イメージ プレースホルダー 1"/>
-          <p:cNvSpPr>
-            <a:spLocks noGrp="1" noRot="1" noChangeAspect="1"/>
-          </p:cNvSpPr>
-          <p:nvPr>
-            <p:ph type="sldImg"/>
-          </p:nvPr>
-        </p:nvSpPr>
-        <p:spPr/>
-      </p:sp>
-      <p:sp>
-        <p:nvSpPr>
-          <p:cNvPr id="3" name="ノート プレースホルダー 2"/>
-          <p:cNvSpPr>
-            <a:spLocks noGrp="1"/>
-          </p:cNvSpPr>
-          <p:nvPr>
-            <p:ph type="body" idx="1"/>
-          </p:nvPr>
-        </p:nvSpPr>
-        <p:spPr/>
-        <p:txBody>
-          <a:bodyPr/>
-          <a:lstStyle/>
-          <a:p>
-            <a:endParaRPr kumimoji="1" lang="ja-JP" altLang="en-US"/>
-          </a:p>
-        </p:txBody>
-      </p:sp>
-      <p:sp>
-        <p:nvSpPr>
-          <p:cNvPr id="4" name="スライド番号プレースホルダー 3"/>
-          <p:cNvSpPr>
-            <a:spLocks noGrp="1"/>
-          </p:cNvSpPr>
-          <p:nvPr>
-            <p:ph type="sldNum" sz="quarter" idx="5"/>
-          </p:nvPr>
-        </p:nvSpPr>
-        <p:spPr/>
-        <p:txBody>
-          <a:bodyPr/>
-          <a:lstStyle/>
-          <a:p>
-            <a:fld id="{6BA797DD-AA7F-1E44-BF98-9356A66075A7}" type="slidenum">
-              <a:rPr kumimoji="1" lang="ja-JP" altLang="en-US" smtClean="0"/>
-              <a:t>5</a:t>
-            </a:fld>
-            <a:endParaRPr kumimoji="1" lang="ja-JP" altLang="en-US"/>
-          </a:p>
-        </p:txBody>
-      </p:sp>
-    </p:spTree>
-    <p:extLst>
-      <p:ext uri="{BB962C8B-B14F-4D97-AF65-F5344CB8AC3E}">
         <p14:creationId xmlns:p14="http://schemas.microsoft.com/office/powerpoint/2010/main" val="1843098694"/>
       </p:ext>
     </p:extLst>
@@ -1048,7 +964,7 @@
           <a:p>
             <a:fld id="{E1227E8F-8900-4644-9AC5-0C899212D6EF}" type="datetimeFigureOut">
               <a:rPr kumimoji="1" lang="ja-JP" altLang="en-US" smtClean="0"/>
-              <a:t>2023/9/13</a:t>
+              <a:t>2023/11/6</a:t>
             </a:fld>
             <a:endParaRPr kumimoji="1" lang="ja-JP" altLang="en-US"/>
           </a:p>
@@ -1278,7 +1194,7 @@
           <a:p>
             <a:fld id="{E1227E8F-8900-4644-9AC5-0C899212D6EF}" type="datetimeFigureOut">
               <a:rPr kumimoji="1" lang="ja-JP" altLang="en-US" smtClean="0"/>
-              <a:t>2023/9/13</a:t>
+              <a:t>2023/11/6</a:t>
             </a:fld>
             <a:endParaRPr kumimoji="1" lang="ja-JP" altLang="en-US"/>
           </a:p>
@@ -1518,7 +1434,7 @@
           <a:p>
             <a:fld id="{E1227E8F-8900-4644-9AC5-0C899212D6EF}" type="datetimeFigureOut">
               <a:rPr kumimoji="1" lang="ja-JP" altLang="en-US" smtClean="0"/>
-              <a:t>2023/9/13</a:t>
+              <a:t>2023/11/6</a:t>
             </a:fld>
             <a:endParaRPr kumimoji="1" lang="ja-JP" altLang="en-US"/>
           </a:p>
@@ -1748,7 +1664,7 @@
           <a:p>
             <a:fld id="{E1227E8F-8900-4644-9AC5-0C899212D6EF}" type="datetimeFigureOut">
               <a:rPr kumimoji="1" lang="ja-JP" altLang="en-US" smtClean="0"/>
-              <a:t>2023/9/13</a:t>
+              <a:t>2023/11/6</a:t>
             </a:fld>
             <a:endParaRPr kumimoji="1" lang="ja-JP" altLang="en-US"/>
           </a:p>
@@ -2023,7 +1939,7 @@
           <a:p>
             <a:fld id="{E1227E8F-8900-4644-9AC5-0C899212D6EF}" type="datetimeFigureOut">
               <a:rPr kumimoji="1" lang="ja-JP" altLang="en-US" smtClean="0"/>
-              <a:t>2023/9/13</a:t>
+              <a:t>2023/11/6</a:t>
             </a:fld>
             <a:endParaRPr kumimoji="1" lang="ja-JP" altLang="en-US"/>
           </a:p>
@@ -2352,7 +2268,7 @@
           <a:p>
             <a:fld id="{E1227E8F-8900-4644-9AC5-0C899212D6EF}" type="datetimeFigureOut">
               <a:rPr kumimoji="1" lang="ja-JP" altLang="en-US" smtClean="0"/>
-              <a:t>2023/9/13</a:t>
+              <a:t>2023/11/6</a:t>
             </a:fld>
             <a:endParaRPr kumimoji="1" lang="ja-JP" altLang="en-US"/>
           </a:p>
@@ -2828,7 +2744,7 @@
           <a:p>
             <a:fld id="{E1227E8F-8900-4644-9AC5-0C899212D6EF}" type="datetimeFigureOut">
               <a:rPr kumimoji="1" lang="ja-JP" altLang="en-US" smtClean="0"/>
-              <a:t>2023/9/13</a:t>
+              <a:t>2023/11/6</a:t>
             </a:fld>
             <a:endParaRPr kumimoji="1" lang="ja-JP" altLang="en-US"/>
           </a:p>
@@ -2969,7 +2885,7 @@
           <a:p>
             <a:fld id="{E1227E8F-8900-4644-9AC5-0C899212D6EF}" type="datetimeFigureOut">
               <a:rPr kumimoji="1" lang="ja-JP" altLang="en-US" smtClean="0"/>
-              <a:t>2023/9/13</a:t>
+              <a:t>2023/11/6</a:t>
             </a:fld>
             <a:endParaRPr kumimoji="1" lang="ja-JP" altLang="en-US"/>
           </a:p>
@@ -3082,7 +2998,7 @@
           <a:p>
             <a:fld id="{E1227E8F-8900-4644-9AC5-0C899212D6EF}" type="datetimeFigureOut">
               <a:rPr kumimoji="1" lang="ja-JP" altLang="en-US" smtClean="0"/>
-              <a:t>2023/9/13</a:t>
+              <a:t>2023/11/6</a:t>
             </a:fld>
             <a:endParaRPr kumimoji="1" lang="ja-JP" altLang="en-US"/>
           </a:p>
@@ -3425,7 +3341,7 @@
           <a:p>
             <a:fld id="{E1227E8F-8900-4644-9AC5-0C899212D6EF}" type="datetimeFigureOut">
               <a:rPr kumimoji="1" lang="ja-JP" altLang="en-US" smtClean="0"/>
-              <a:t>2023/9/13</a:t>
+              <a:t>2023/11/6</a:t>
             </a:fld>
             <a:endParaRPr kumimoji="1" lang="ja-JP" altLang="en-US"/>
           </a:p>
@@ -3713,7 +3629,7 @@
           <a:p>
             <a:fld id="{E1227E8F-8900-4644-9AC5-0C899212D6EF}" type="datetimeFigureOut">
               <a:rPr kumimoji="1" lang="ja-JP" altLang="en-US" smtClean="0"/>
-              <a:t>2023/9/13</a:t>
+              <a:t>2023/11/6</a:t>
             </a:fld>
             <a:endParaRPr kumimoji="1" lang="ja-JP" altLang="en-US"/>
           </a:p>
@@ -3986,7 +3902,7 @@
           <a:p>
             <a:fld id="{E1227E8F-8900-4644-9AC5-0C899212D6EF}" type="datetimeFigureOut">
               <a:rPr kumimoji="1" lang="ja-JP" altLang="en-US" smtClean="0"/>
-              <a:t>2023/9/13</a:t>
+              <a:t>2023/11/6</a:t>
             </a:fld>
             <a:endParaRPr kumimoji="1" lang="ja-JP" altLang="en-US"/>
           </a:p>
@@ -4518,7 +4434,12 @@
             <p:ph type="title"/>
           </p:nvPr>
         </p:nvSpPr>
-        <p:spPr/>
+        <p:spPr>
+          <a:xfrm>
+            <a:off x="538655" y="500062"/>
+            <a:ext cx="10515600" cy="1325563"/>
+          </a:xfrm>
+        </p:spPr>
         <p:txBody>
           <a:bodyPr/>
           <a:lstStyle/>
@@ -4857,7 +4778,7 @@
           <p:cNvPr id="2" name="タイトル 1">
             <a:extLst>
               <a:ext uri="{FF2B5EF4-FFF2-40B4-BE49-F238E27FC236}">
-                <a16:creationId xmlns:a16="http://schemas.microsoft.com/office/drawing/2014/main" id="{5B7EBFAF-D903-8B4B-61AE-47E74948F9B1}"/>
+                <a16:creationId xmlns:a16="http://schemas.microsoft.com/office/drawing/2014/main" id="{8AB8B5A9-843B-0A4B-382D-F3A622EBEC23}"/>
               </a:ext>
             </a:extLst>
           </p:cNvPr>
@@ -4875,9 +4796,20 @@
           <a:p>
             <a:r>
               <a:rPr kumimoji="1" lang="en-US" altLang="ja-JP" dirty="0"/>
-              <a:t>Delta GLM(M) method</a:t>
-            </a:r>
-            <a:endParaRPr kumimoji="1" lang="ja-JP" altLang="en-US"/>
+              <a:t>R</a:t>
+            </a:r>
+            <a:r>
+              <a:rPr kumimoji="1" lang="ja-JP" altLang="en-US"/>
+              <a:t>で</a:t>
+            </a:r>
+            <a:r>
+              <a:rPr kumimoji="1" lang="en-US" altLang="ja-JP" dirty="0"/>
+              <a:t>Delta GLM</a:t>
+            </a:r>
+            <a:r>
+              <a:rPr kumimoji="1" lang="ja-JP" altLang="en-US"/>
+              <a:t>実践</a:t>
+            </a:r>
           </a:p>
         </p:txBody>
       </p:sp>
@@ -4886,7 +4818,7 @@
           <p:cNvPr id="3" name="コンテンツ プレースホルダー 2">
             <a:extLst>
               <a:ext uri="{FF2B5EF4-FFF2-40B4-BE49-F238E27FC236}">
-                <a16:creationId xmlns:a16="http://schemas.microsoft.com/office/drawing/2014/main" id="{7955CC8D-F59B-4F4F-E7BC-4966C1E7D930}"/>
+                <a16:creationId xmlns:a16="http://schemas.microsoft.com/office/drawing/2014/main" id="{D8264BDD-6BD2-5349-F058-71ED2E8D048E}"/>
               </a:ext>
             </a:extLst>
           </p:cNvPr>
@@ -4904,7 +4836,39 @@
           <a:p>
             <a:r>
               <a:rPr kumimoji="1" lang="ja-JP" altLang="en-US"/>
-              <a:t>解析を２段階に分ける．</a:t>
+              <a:t>第</a:t>
+            </a:r>
+            <a:r>
+              <a:rPr kumimoji="1" lang="en-US" altLang="ja-JP" dirty="0"/>
+              <a:t>21</a:t>
+            </a:r>
+            <a:r>
+              <a:rPr kumimoji="1" lang="ja-JP" altLang="en-US"/>
+              <a:t>回、第</a:t>
+            </a:r>
+            <a:r>
+              <a:rPr kumimoji="1" lang="en-US" altLang="ja-JP" dirty="0"/>
+              <a:t>22</a:t>
+            </a:r>
+            <a:r>
+              <a:rPr kumimoji="1" lang="ja-JP" altLang="en-US"/>
+              <a:t>回の解析で</a:t>
+            </a:r>
+            <a:r>
+              <a:rPr kumimoji="1" lang="en-US" altLang="ja-JP" dirty="0"/>
+              <a:t>GLM</a:t>
+            </a:r>
+            <a:r>
+              <a:rPr kumimoji="1" lang="ja-JP" altLang="en-US"/>
+              <a:t>による</a:t>
+            </a:r>
+            <a:r>
+              <a:rPr kumimoji="1" lang="en-US" altLang="ja-JP" dirty="0"/>
+              <a:t>CPUE</a:t>
+            </a:r>
+            <a:r>
+              <a:rPr kumimoji="1" lang="ja-JP" altLang="en-US"/>
+              <a:t>標準化を行なった．このときの解析データはゼロキャッチデータを排除したもの．</a:t>
             </a:r>
             <a:endParaRPr kumimoji="1" lang="en-US" altLang="ja-JP" dirty="0"/>
           </a:p>
@@ -4912,63 +4876,17 @@
             <a:endParaRPr lang="en-US" altLang="ja-JP" dirty="0"/>
           </a:p>
           <a:p>
-            <a:pPr lvl="1"/>
-            <a:r>
-              <a:rPr kumimoji="1" lang="ja-JP" altLang="en-US"/>
-              <a:t>一つは有漁確率．すなわち、漁獲がある</a:t>
-            </a:r>
-            <a:r>
-              <a:rPr kumimoji="1" lang="en-US" altLang="ja-JP" dirty="0"/>
-              <a:t>or</a:t>
-            </a:r>
-            <a:r>
-              <a:rPr kumimoji="1" lang="ja-JP" altLang="en-US"/>
-              <a:t>ない</a:t>
-            </a:r>
-            <a:r>
-              <a:rPr kumimoji="1" lang="en-US" altLang="ja-JP" dirty="0"/>
-              <a:t>(1/0)</a:t>
-            </a:r>
-            <a:r>
-              <a:rPr kumimoji="1" lang="ja-JP" altLang="en-US"/>
-              <a:t>を解析．</a:t>
-            </a:r>
-            <a:endParaRPr kumimoji="1" lang="en-US" altLang="ja-JP" dirty="0"/>
-          </a:p>
-          <a:p>
-            <a:endParaRPr lang="en-US" altLang="ja-JP" dirty="0"/>
-          </a:p>
-          <a:p>
-            <a:pPr lvl="1"/>
-            <a:r>
-              <a:rPr kumimoji="1" lang="ja-JP" altLang="en-US"/>
-              <a:t>もう一つは有漁となったデータの量</a:t>
-            </a:r>
-            <a:r>
-              <a:rPr kumimoji="1" lang="en-US" altLang="ja-JP" dirty="0"/>
-              <a:t>(&gt;0)</a:t>
-            </a:r>
-            <a:r>
-              <a:rPr kumimoji="1" lang="ja-JP" altLang="en-US"/>
-              <a:t>に対して解析．</a:t>
-            </a:r>
-            <a:endParaRPr kumimoji="1" lang="en-US" altLang="ja-JP" dirty="0"/>
-          </a:p>
-          <a:p>
-            <a:endParaRPr lang="en-US" altLang="ja-JP" dirty="0"/>
-          </a:p>
-          <a:p>
-            <a:r>
-              <a:rPr kumimoji="1" lang="ja-JP" altLang="en-US"/>
-              <a:t>有漁確率</a:t>
-            </a:r>
-            <a:r>
-              <a:rPr kumimoji="1" lang="en-US" altLang="ja-JP" dirty="0"/>
-              <a:t>*</a:t>
-            </a:r>
-            <a:r>
-              <a:rPr kumimoji="1" lang="ja-JP" altLang="en-US"/>
-              <a:t>量を計算することでゼロデータを含んだ解析対象の予測ができる．</a:t>
+            <a:r>
+              <a:rPr kumimoji="1" lang="ja-JP" altLang="en-US"/>
+              <a:t>ゼロキャッチデータを含んだ</a:t>
+            </a:r>
+            <a:r>
+              <a:rPr kumimoji="1" lang="en-US" altLang="ja-JP" dirty="0" err="1"/>
+              <a:t>cpuestandardization_zero.csv</a:t>
+            </a:r>
+            <a:r>
+              <a:rPr kumimoji="1" lang="ja-JP" altLang="en-US"/>
+              <a:t>を読み込んで解析してみよう！</a:t>
             </a:r>
           </a:p>
         </p:txBody>
@@ -4976,7 +4894,7 @@
     </p:spTree>
     <p:extLst>
       <p:ext uri="{BB962C8B-B14F-4D97-AF65-F5344CB8AC3E}">
-        <p14:creationId xmlns:p14="http://schemas.microsoft.com/office/powerpoint/2010/main" val="1600048648"/>
+        <p14:creationId xmlns:p14="http://schemas.microsoft.com/office/powerpoint/2010/main" val="8927885"/>
       </p:ext>
     </p:extLst>
   </p:cSld>
@@ -5008,7 +4926,7 @@
           <p:cNvPr id="2" name="タイトル 1">
             <a:extLst>
               <a:ext uri="{FF2B5EF4-FFF2-40B4-BE49-F238E27FC236}">
-                <a16:creationId xmlns:a16="http://schemas.microsoft.com/office/drawing/2014/main" id="{8AB8B5A9-843B-0A4B-382D-F3A622EBEC23}"/>
+                <a16:creationId xmlns:a16="http://schemas.microsoft.com/office/drawing/2014/main" id="{1B33C534-F5FE-B6BB-3A0E-0F4065492EAF}"/>
               </a:ext>
             </a:extLst>
           </p:cNvPr>
@@ -5024,73 +4942,13 @@
           <a:bodyPr/>
           <a:lstStyle/>
           <a:p>
-            <a:r>
-              <a:rPr kumimoji="1" lang="en-US" altLang="ja-JP" dirty="0"/>
-              <a:t>R</a:t>
-            </a:r>
-            <a:r>
-              <a:rPr kumimoji="1" lang="ja-JP" altLang="en-US"/>
-              <a:t>で</a:t>
-            </a:r>
             <a:r>
               <a:rPr kumimoji="1" lang="en-US" altLang="ja-JP" dirty="0"/>
               <a:t>Delta GLM</a:t>
             </a:r>
             <a:r>
               <a:rPr kumimoji="1" lang="ja-JP" altLang="en-US"/>
-              <a:t>実践</a:t>
-            </a:r>
-          </a:p>
-        </p:txBody>
-      </p:sp>
-      <p:sp>
-        <p:nvSpPr>
-          <p:cNvPr id="3" name="コンテンツ プレースホルダー 2">
-            <a:extLst>
-              <a:ext uri="{FF2B5EF4-FFF2-40B4-BE49-F238E27FC236}">
-                <a16:creationId xmlns:a16="http://schemas.microsoft.com/office/drawing/2014/main" id="{D8264BDD-6BD2-5349-F058-71ED2E8D048E}"/>
-              </a:ext>
-            </a:extLst>
-          </p:cNvPr>
-          <p:cNvSpPr>
-            <a:spLocks noGrp="1"/>
-          </p:cNvSpPr>
-          <p:nvPr>
-            <p:ph idx="1"/>
-          </p:nvPr>
-        </p:nvSpPr>
-        <p:spPr/>
-        <p:txBody>
-          <a:bodyPr/>
-          <a:lstStyle/>
-          <a:p>
-            <a:r>
-              <a:rPr kumimoji="1" lang="ja-JP" altLang="en-US"/>
-              <a:t>第</a:t>
-            </a:r>
-            <a:r>
-              <a:rPr kumimoji="1" lang="en-US" altLang="ja-JP" dirty="0"/>
-              <a:t>21</a:t>
-            </a:r>
-            <a:r>
-              <a:rPr kumimoji="1" lang="ja-JP" altLang="en-US"/>
-              <a:t>回、第</a:t>
-            </a:r>
-            <a:r>
-              <a:rPr kumimoji="1" lang="en-US" altLang="ja-JP" dirty="0"/>
-              <a:t>22</a:t>
-            </a:r>
-            <a:r>
-              <a:rPr kumimoji="1" lang="ja-JP" altLang="en-US"/>
-              <a:t>回の解析で</a:t>
-            </a:r>
-            <a:r>
-              <a:rPr kumimoji="1" lang="en-US" altLang="ja-JP" dirty="0"/>
-              <a:t>GLM</a:t>
-            </a:r>
-            <a:r>
-              <a:rPr kumimoji="1" lang="ja-JP" altLang="en-US"/>
-              <a:t>による</a:t>
+              <a:t>で標準化した</a:t>
             </a:r>
             <a:r>
               <a:rPr kumimoji="1" lang="en-US" altLang="ja-JP" dirty="0"/>
@@ -5098,7 +4956,43 @@
             </a:r>
             <a:r>
               <a:rPr kumimoji="1" lang="ja-JP" altLang="en-US"/>
-              <a:t>標準化を行なった．このときの解析データはゼロキャッチデータを排除したもの．</a:t>
+              <a:t>の信頼区間</a:t>
+            </a:r>
+          </a:p>
+        </p:txBody>
+      </p:sp>
+      <p:sp>
+        <p:nvSpPr>
+          <p:cNvPr id="3" name="コンテンツ プレースホルダー 2">
+            <a:extLst>
+              <a:ext uri="{FF2B5EF4-FFF2-40B4-BE49-F238E27FC236}">
+                <a16:creationId xmlns:a16="http://schemas.microsoft.com/office/drawing/2014/main" id="{828E88CA-B1CB-1BA3-50E9-BF11E04B8883}"/>
+              </a:ext>
+            </a:extLst>
+          </p:cNvPr>
+          <p:cNvSpPr>
+            <a:spLocks noGrp="1"/>
+          </p:cNvSpPr>
+          <p:nvPr>
+            <p:ph idx="1"/>
+          </p:nvPr>
+        </p:nvSpPr>
+        <p:spPr/>
+        <p:txBody>
+          <a:bodyPr/>
+          <a:lstStyle/>
+          <a:p>
+            <a:r>
+              <a:rPr kumimoji="1" lang="ja-JP" altLang="en-US"/>
+              <a:t>２段階法で標準化</a:t>
+            </a:r>
+            <a:r>
+              <a:rPr kumimoji="1" lang="en-US" altLang="ja-JP" dirty="0"/>
+              <a:t>CPUE</a:t>
+            </a:r>
+            <a:r>
+              <a:rPr kumimoji="1" lang="ja-JP" altLang="en-US"/>
+              <a:t>を求められたが、その信頼区間も表示したい．</a:t>
             </a:r>
             <a:endParaRPr kumimoji="1" lang="en-US" altLang="ja-JP" dirty="0"/>
           </a:p>
@@ -5108,15 +5002,7 @@
           <a:p>
             <a:r>
               <a:rPr kumimoji="1" lang="ja-JP" altLang="en-US"/>
-              <a:t>ゼロキャッチデータを含んだ</a:t>
-            </a:r>
-            <a:r>
-              <a:rPr kumimoji="1" lang="en-US" altLang="ja-JP" dirty="0" err="1"/>
-              <a:t>cpuestandardization_zero.csv</a:t>
-            </a:r>
-            <a:r>
-              <a:rPr kumimoji="1" lang="ja-JP" altLang="en-US"/>
-              <a:t>を読み込んで解析してみよう！</a:t>
+              <a:t>データブートストラップして信頼区間を求めてみよう．</a:t>
             </a:r>
           </a:p>
         </p:txBody>
@@ -5124,7 +5010,7 @@
     </p:spTree>
     <p:extLst>
       <p:ext uri="{BB962C8B-B14F-4D97-AF65-F5344CB8AC3E}">
-        <p14:creationId xmlns:p14="http://schemas.microsoft.com/office/powerpoint/2010/main" val="8927885"/>
+        <p14:creationId xmlns:p14="http://schemas.microsoft.com/office/powerpoint/2010/main" val="704829484"/>
       </p:ext>
     </p:extLst>
   </p:cSld>
